--- a/PPT 2 - Predicting Customer Booking Behaviour with British Airways.pptx
+++ b/PPT 2 - Predicting Customer Booking Behaviour with British Airways.pptx
@@ -23724,8 +23724,8 @@
         </p:nvSpPr>
         <p:spPr>
           <a:xfrm>
-            <a:off x="5460336" y="1112100"/>
-            <a:ext cx="3537614" cy="3170099"/>
+            <a:off x="5460336" y="1011361"/>
+            <a:ext cx="3537614" cy="3785652"/>
           </a:xfrm>
           <a:prstGeom prst="rect">
             <a:avLst/>
@@ -23738,21 +23738,15 @@
           </a:bodyPr>
           <a:lstStyle/>
           <a:p>
-            <a:endParaRPr lang="en-ID" sz="1000" dirty="0">
-              <a:latin typeface="Source Sans Pro" panose="020B0503030403020204" pitchFamily="34" charset="0"/>
-              <a:ea typeface="Source Sans Pro" panose="020B0503030403020204" pitchFamily="34" charset="0"/>
-            </a:endParaRPr>
-          </a:p>
-          <a:p>
             <a:r>
-              <a:rPr lang="en-ID" sz="1000" dirty="0">
+              <a:rPr lang="en-GB" sz="1000" dirty="0">
                 <a:latin typeface="Source Sans Pro" panose="020B0503030403020204" pitchFamily="34" charset="0"/>
                 <a:ea typeface="Source Sans Pro" panose="020B0503030403020204" pitchFamily="34" charset="0"/>
               </a:rPr>
               <a:t>This is what we expect from EDA section previously where there is a tendency of customers to complete their bookings when choosing a particular </a:t>
             </a:r>
             <a:r>
-              <a:rPr lang="en-ID" sz="1000" b="1" i="1" dirty="0">
+              <a:rPr lang="en-GB" sz="1000" b="1" i="1" dirty="0">
                 <a:solidFill>
                   <a:schemeClr val="bg1"/>
                 </a:solidFill>
@@ -23765,24 +23759,14 @@
               <a:t>Flight Hour</a:t>
             </a:r>
             <a:r>
-              <a:rPr lang="en-ID" sz="1000" b="1" i="1" dirty="0">
-                <a:solidFill>
-                  <a:schemeClr val="bg1"/>
-                </a:solidFill>
-                <a:latin typeface="Source Sans Pro" panose="020B0503030403020204" pitchFamily="34" charset="0"/>
-                <a:ea typeface="Source Sans Pro" panose="020B0503030403020204" pitchFamily="34" charset="0"/>
-              </a:rPr>
-              <a:t> </a:t>
-            </a:r>
-            <a:r>
-              <a:rPr lang="en-ID" sz="1000" dirty="0">
+              <a:rPr lang="en-GB" sz="1000" dirty="0">
                 <a:latin typeface="Source Sans Pro" panose="020B0503030403020204" pitchFamily="34" charset="0"/>
                 <a:ea typeface="Source Sans Pro" panose="020B0503030403020204" pitchFamily="34" charset="0"/>
               </a:rPr>
               <a:t>, that is </a:t>
             </a:r>
             <a:r>
-              <a:rPr lang="en-ID" sz="1000" b="1" i="1" dirty="0">
+              <a:rPr lang="en-GB" sz="1000" b="1" i="1" dirty="0">
                 <a:solidFill>
                   <a:schemeClr val="bg1"/>
                 </a:solidFill>
@@ -23795,29 +23779,69 @@
               <a:t>Afternoon Flights</a:t>
             </a:r>
             <a:r>
-              <a:rPr lang="en-ID" sz="1000" dirty="0">
+              <a:rPr lang="en-GB" sz="1000" dirty="0">
                 <a:latin typeface="Source Sans Pro" panose="020B0503030403020204" pitchFamily="34" charset="0"/>
                 <a:ea typeface="Source Sans Pro" panose="020B0503030403020204" pitchFamily="34" charset="0"/>
               </a:rPr>
-              <a:t>.</a:t>
+              <a:t>, and they have relatively shorter </a:t>
+            </a:r>
+            <a:r>
+              <a:rPr lang="en-GB" sz="1000" b="1" i="1" dirty="0">
+                <a:solidFill>
+                  <a:schemeClr val="bg1"/>
+                </a:solidFill>
+                <a:highlight>
+                  <a:srgbClr val="157DD9"/>
+                </a:highlight>
+                <a:latin typeface="Source Sans Pro" panose="020B0503030403020204" pitchFamily="34" charset="0"/>
+                <a:ea typeface="Source Sans Pro" panose="020B0503030403020204" pitchFamily="34" charset="0"/>
+              </a:rPr>
+              <a:t>Flight Duration</a:t>
+            </a:r>
+            <a:r>
+              <a:rPr lang="en-GB" sz="1000" dirty="0">
+                <a:latin typeface="Source Sans Pro" panose="020B0503030403020204" pitchFamily="34" charset="0"/>
+                <a:ea typeface="Source Sans Pro" panose="020B0503030403020204" pitchFamily="34" charset="0"/>
+              </a:rPr>
+              <a:t> and </a:t>
+            </a:r>
+            <a:r>
+              <a:rPr lang="en-GB" sz="1000" b="1" i="1" dirty="0">
+                <a:solidFill>
+                  <a:schemeClr val="bg1"/>
+                </a:solidFill>
+                <a:highlight>
+                  <a:srgbClr val="157DD9"/>
+                </a:highlight>
+                <a:latin typeface="Source Sans Pro" panose="020B0503030403020204" pitchFamily="34" charset="0"/>
+                <a:ea typeface="Source Sans Pro" panose="020B0503030403020204" pitchFamily="34" charset="0"/>
+              </a:rPr>
+              <a:t>Length of Stay</a:t>
+            </a:r>
+            <a:r>
+              <a:rPr lang="en-GB" sz="1000" dirty="0">
+                <a:latin typeface="Source Sans Pro" panose="020B0503030403020204" pitchFamily="34" charset="0"/>
+                <a:ea typeface="Source Sans Pro" panose="020B0503030403020204" pitchFamily="34" charset="0"/>
+              </a:rPr>
+              <a:t>. </a:t>
             </a:r>
           </a:p>
           <a:p>
-            <a:endParaRPr lang="en-ID" sz="1000" dirty="0">
+            <a:endParaRPr lang="en-GB" sz="1000" dirty="0">
               <a:latin typeface="Source Sans Pro" panose="020B0503030403020204" pitchFamily="34" charset="0"/>
               <a:ea typeface="Source Sans Pro" panose="020B0503030403020204" pitchFamily="34" charset="0"/>
             </a:endParaRPr>
           </a:p>
           <a:p>
             <a:r>
-              <a:rPr lang="en-ID" sz="1000" dirty="0">
+              <a:rPr lang="en-GB" sz="1000" dirty="0">
                 <a:latin typeface="Source Sans Pro" panose="020B0503030403020204" pitchFamily="34" charset="0"/>
                 <a:ea typeface="Source Sans Pro" panose="020B0503030403020204" pitchFamily="34" charset="0"/>
               </a:rPr>
               <a:t>Surprisingly it looks like that choosing a particular </a:t>
             </a:r>
             <a:r>
-              <a:rPr lang="en-ID" sz="1000" b="1" i="1" dirty="0">
+              <a:rPr lang="en-GB" sz="1000" b="1" i="1" dirty="0">
                 <a:solidFill>
                   <a:schemeClr val="bg1"/>
                 </a:solidFill>
@@ -23830,24 +23854,29 @@
               <a:t>Flight Day</a:t>
             </a:r>
             <a:r>
-              <a:rPr lang="en-ID" sz="1000" dirty="0">
-                <a:solidFill>
-                  <a:schemeClr val="bg1"/>
-                </a:solidFill>
+              <a:rPr lang="en-GB" sz="1000" dirty="0">
                 <a:latin typeface="Source Sans Pro" panose="020B0503030403020204" pitchFamily="34" charset="0"/>
                 <a:ea typeface="Source Sans Pro" panose="020B0503030403020204" pitchFamily="34" charset="0"/>
               </a:rPr>
-              <a:t> </a:t>
+              <a:t> influences customers booking behaviour, Maybe weekend or not weekend booking would influence their behaviour.</a:t>
             </a:r>
+          </a:p>
+          <a:p>
+            <a:endParaRPr lang="en-GB" sz="1000" dirty="0">
+              <a:latin typeface="Source Sans Pro" panose="020B0503030403020204" pitchFamily="34" charset="0"/>
+              <a:ea typeface="Source Sans Pro" panose="020B0503030403020204" pitchFamily="34" charset="0"/>
+            </a:endParaRPr>
+          </a:p>
+          <a:p>
             <a:r>
-              <a:rPr lang="en-ID" sz="1000" dirty="0">
+              <a:rPr lang="en-GB" sz="1000" dirty="0">
                 <a:latin typeface="Source Sans Pro" panose="020B0503030403020204" pitchFamily="34" charset="0"/>
                 <a:ea typeface="Source Sans Pro" panose="020B0503030403020204" pitchFamily="34" charset="0"/>
               </a:rPr>
-              <a:t>influences customers booking behaviour. Perhaps </a:t>
+              <a:t>Moreover, </a:t>
             </a:r>
             <a:r>
-              <a:rPr lang="en-ID" sz="1000" b="1" dirty="0">
+              <a:rPr lang="en-GB" sz="1000" b="1" i="1" dirty="0">
                 <a:solidFill>
                   <a:schemeClr val="bg1"/>
                 </a:solidFill>
@@ -23857,71 +23886,32 @@
                 <a:latin typeface="Source Sans Pro" panose="020B0503030403020204" pitchFamily="34" charset="0"/>
                 <a:ea typeface="Source Sans Pro" panose="020B0503030403020204" pitchFamily="34" charset="0"/>
               </a:rPr>
-              <a:t>we should </a:t>
+              <a:t>Purchase Lead</a:t>
             </a:r>
             <a:r>
-              <a:rPr lang="en-GB" sz="1000" b="1" dirty="0">
-                <a:solidFill>
-                  <a:schemeClr val="bg1"/>
-                </a:solidFill>
-                <a:highlight>
-                  <a:srgbClr val="157DD9"/>
-                </a:highlight>
+              <a:rPr lang="en-GB" sz="1000" dirty="0">
                 <a:latin typeface="Source Sans Pro" panose="020B0503030403020204" pitchFamily="34" charset="0"/>
                 <a:ea typeface="Source Sans Pro" panose="020B0503030403020204" pitchFamily="34" charset="0"/>
               </a:rPr>
-              <a:t>more deeply </a:t>
-            </a:r>
-            <a:r>
-              <a:rPr lang="en-GB" sz="1000" b="1" dirty="0" err="1">
-                <a:solidFill>
-                  <a:schemeClr val="bg1"/>
-                </a:solidFill>
-                <a:highlight>
-                  <a:srgbClr val="157DD9"/>
-                </a:highlight>
-                <a:latin typeface="Source Sans Pro" panose="020B0503030403020204" pitchFamily="34" charset="0"/>
-                <a:ea typeface="Source Sans Pro" panose="020B0503030403020204" pitchFamily="34" charset="0"/>
-              </a:rPr>
-              <a:t>analyze</a:t>
-            </a:r>
-            <a:r>
-              <a:rPr lang="en-GB" sz="1000" b="1" dirty="0">
-                <a:solidFill>
-                  <a:schemeClr val="bg1"/>
-                </a:solidFill>
-                <a:highlight>
-                  <a:srgbClr val="157DD9"/>
-                </a:highlight>
-                <a:latin typeface="Source Sans Pro" panose="020B0503030403020204" pitchFamily="34" charset="0"/>
-                <a:ea typeface="Source Sans Pro" panose="020B0503030403020204" pitchFamily="34" charset="0"/>
-              </a:rPr>
-              <a:t> this feature</a:t>
-            </a:r>
-            <a:r>
-              <a:rPr lang="en-ID" sz="1000" dirty="0">
-                <a:latin typeface="Source Sans Pro" panose="020B0503030403020204" pitchFamily="34" charset="0"/>
-                <a:ea typeface="Source Sans Pro" panose="020B0503030403020204" pitchFamily="34" charset="0"/>
-              </a:rPr>
-              <a:t>.</a:t>
+              <a:t> is at the 1st ranking most used feature within the model although it is not at the 1st ranking of the lowest p-value in hypothesis testing.</a:t>
             </a:r>
           </a:p>
           <a:p>
-            <a:endParaRPr lang="en-ID" sz="1000" dirty="0">
+            <a:endParaRPr lang="en-GB" sz="1000" dirty="0">
               <a:latin typeface="Source Sans Pro" panose="020B0503030403020204" pitchFamily="34" charset="0"/>
               <a:ea typeface="Source Sans Pro" panose="020B0503030403020204" pitchFamily="34" charset="0"/>
             </a:endParaRPr>
           </a:p>
           <a:p>
             <a:r>
-              <a:rPr lang="en-ID" sz="1000" dirty="0">
+              <a:rPr lang="en-GB" sz="1000" dirty="0">
                 <a:latin typeface="Source Sans Pro" panose="020B0503030403020204" pitchFamily="34" charset="0"/>
                 <a:ea typeface="Source Sans Pro" panose="020B0503030403020204" pitchFamily="34" charset="0"/>
               </a:rPr>
               <a:t>The bottom most important features is </a:t>
             </a:r>
             <a:r>
-              <a:rPr lang="en-ID" sz="1000" b="1" i="1" dirty="0">
+              <a:rPr lang="en-GB" sz="1000" b="1" i="1" dirty="0">
                 <a:solidFill>
                   <a:schemeClr val="bg1"/>
                 </a:solidFill>
@@ -23934,14 +23924,14 @@
               <a:t>Trip Type</a:t>
             </a:r>
             <a:r>
-              <a:rPr lang="en-ID" sz="1000" dirty="0">
+              <a:rPr lang="en-GB" sz="1000" dirty="0">
                 <a:latin typeface="Source Sans Pro" panose="020B0503030403020204" pitchFamily="34" charset="0"/>
                 <a:ea typeface="Source Sans Pro" panose="020B0503030403020204" pitchFamily="34" charset="0"/>
               </a:rPr>
               <a:t> which is pretty obvious since this feature has a dominant category value to </a:t>
             </a:r>
             <a:r>
-              <a:rPr lang="en-ID" sz="1000" b="1" dirty="0">
+              <a:rPr lang="en-GB" sz="1000" b="1" i="1" dirty="0">
                 <a:solidFill>
                   <a:schemeClr val="bg1"/>
                 </a:solidFill>
@@ -23954,7 +23944,7 @@
               <a:t>"</a:t>
             </a:r>
             <a:r>
-              <a:rPr lang="en-ID" sz="1000" b="1" dirty="0" err="1">
+              <a:rPr lang="en-GB" sz="1000" b="1" i="1" dirty="0" err="1">
                 <a:solidFill>
                   <a:schemeClr val="bg1"/>
                 </a:solidFill>
@@ -23967,7 +23957,7 @@
               <a:t>RoundTrip</a:t>
             </a:r>
             <a:r>
-              <a:rPr lang="en-ID" sz="1000" b="1" dirty="0">
+              <a:rPr lang="en-GB" sz="1000" b="1" i="1" dirty="0">
                 <a:solidFill>
                   <a:schemeClr val="bg1"/>
                 </a:solidFill>
@@ -23980,10 +23970,7 @@
               <a:t>“</a:t>
             </a:r>
             <a:r>
-              <a:rPr lang="en-ID" sz="1000" dirty="0">
-                <a:solidFill>
-                  <a:schemeClr val="tx1"/>
-                </a:solidFill>
+              <a:rPr lang="en-GB" sz="1000" dirty="0">
                 <a:latin typeface="Source Sans Pro" panose="020B0503030403020204" pitchFamily="34" charset="0"/>
                 <a:ea typeface="Source Sans Pro" panose="020B0503030403020204" pitchFamily="34" charset="0"/>
               </a:rPr>
@@ -23991,14 +23978,14 @@
             </a:r>
           </a:p>
           <a:p>
-            <a:endParaRPr lang="en-ID" sz="1000" dirty="0">
+            <a:endParaRPr lang="en-GB" sz="1000" dirty="0">
               <a:latin typeface="Source Sans Pro" panose="020B0503030403020204" pitchFamily="34" charset="0"/>
               <a:ea typeface="Source Sans Pro" panose="020B0503030403020204" pitchFamily="34" charset="0"/>
             </a:endParaRPr>
           </a:p>
           <a:p>
             <a:r>
-              <a:rPr lang="en-ID" sz="1000" b="1" dirty="0">
+              <a:rPr lang="en-GB" sz="1000" b="1" i="1" dirty="0">
                 <a:solidFill>
                   <a:schemeClr val="bg1"/>
                 </a:solidFill>
@@ -24011,45 +23998,45 @@
               <a:t>Please note that</a:t>
             </a:r>
             <a:r>
-              <a:rPr lang="en-ID" sz="1000" dirty="0">
+              <a:rPr lang="en-GB" sz="1000" dirty="0">
                 <a:latin typeface="Source Sans Pro" panose="020B0503030403020204" pitchFamily="34" charset="0"/>
                 <a:ea typeface="Source Sans Pro" panose="020B0503030403020204" pitchFamily="34" charset="0"/>
               </a:rPr>
               <a:t> "Feature </a:t>
             </a:r>
             <a:r>
-              <a:rPr lang="en-ID" sz="1000" dirty="0" err="1">
+              <a:rPr lang="en-GB" sz="1000" dirty="0" err="1">
                 <a:latin typeface="Source Sans Pro" panose="020B0503030403020204" pitchFamily="34" charset="0"/>
                 <a:ea typeface="Source Sans Pro" panose="020B0503030403020204" pitchFamily="34" charset="0"/>
               </a:rPr>
               <a:t>Importances</a:t>
             </a:r>
             <a:r>
-              <a:rPr lang="en-ID" sz="1000" dirty="0">
+              <a:rPr lang="en-GB" sz="1000" dirty="0">
                 <a:latin typeface="Source Sans Pro" panose="020B0503030403020204" pitchFamily="34" charset="0"/>
                 <a:ea typeface="Source Sans Pro" panose="020B0503030403020204" pitchFamily="34" charset="0"/>
               </a:rPr>
               <a:t>" does </a:t>
             </a:r>
             <a:r>
-              <a:rPr lang="en-ID" sz="1000" b="1" dirty="0">
+              <a:rPr lang="en-GB" sz="1000" dirty="0">
                 <a:solidFill>
-                  <a:srgbClr val="157DD9"/>
+                  <a:schemeClr val="bg2"/>
                 </a:solidFill>
                 <a:latin typeface="Source Sans Pro" panose="020B0503030403020204" pitchFamily="34" charset="0"/>
                 <a:ea typeface="Source Sans Pro" panose="020B0503030403020204" pitchFamily="34" charset="0"/>
               </a:rPr>
-              <a:t>NOT tell</a:t>
+              <a:t>NOT tell </a:t>
             </a:r>
             <a:r>
-              <a:rPr lang="en-ID" sz="1000" dirty="0">
+              <a:rPr lang="en-GB" sz="1000" dirty="0">
                 <a:latin typeface="Source Sans Pro" panose="020B0503030403020204" pitchFamily="34" charset="0"/>
                 <a:ea typeface="Source Sans Pro" panose="020B0503030403020204" pitchFamily="34" charset="0"/>
               </a:rPr>
-              <a:t> us how each feature contributes to the output model. It just tells us how many times each feature is being used within the model. Probably </a:t>
+              <a:t>us how each feature contributes to the output model. It just tells us how many times each feature is being used within the model. Probably </a:t>
             </a:r>
             <a:r>
-              <a:rPr lang="en-ID" sz="1000" b="1" dirty="0">
+              <a:rPr lang="en-GB" sz="1000" b="1" i="1" dirty="0">
                 <a:solidFill>
                   <a:schemeClr val="bg1"/>
                 </a:solidFill>
@@ -24062,7 +24049,7 @@
               <a:t>we should use other model interpretation techniques</a:t>
             </a:r>
             <a:r>
-              <a:rPr lang="en-ID" sz="1000" dirty="0">
+              <a:rPr lang="en-GB" sz="1000" dirty="0">
                 <a:latin typeface="Source Sans Pro" panose="020B0503030403020204" pitchFamily="34" charset="0"/>
                 <a:ea typeface="Source Sans Pro" panose="020B0503030403020204" pitchFamily="34" charset="0"/>
               </a:rPr>
@@ -25014,7 +25001,7 @@
         <p:spPr>
           <a:xfrm>
             <a:off x="713099" y="1540704"/>
-            <a:ext cx="7710230" cy="2123658"/>
+            <a:ext cx="7710230" cy="2862322"/>
           </a:xfrm>
           <a:prstGeom prst="rect">
             <a:avLst/>
@@ -25316,6 +25303,105 @@
                 <a:ea typeface="Source Sans Pro" panose="020B0503030403020204" pitchFamily="34" charset="0"/>
               </a:rPr>
               <a:t> if a customer wants extra baggage, we can offer to her/him an extra meals with lower price.</a:t>
+            </a:r>
+          </a:p>
+          <a:p>
+            <a:pPr marL="171450" indent="-171450">
+              <a:buFont typeface="Arial" panose="020B0604020202020204" pitchFamily="34" charset="0"/>
+              <a:buChar char="•"/>
+            </a:pPr>
+            <a:endParaRPr lang="en-ID" sz="1200" dirty="0">
+              <a:latin typeface="Source Sans Pro" panose="020B0503030403020204" pitchFamily="34" charset="0"/>
+              <a:ea typeface="Source Sans Pro" panose="020B0503030403020204" pitchFamily="34" charset="0"/>
+            </a:endParaRPr>
+          </a:p>
+          <a:p>
+            <a:r>
+              <a:rPr lang="en-GB" sz="1200" dirty="0">
+                <a:latin typeface="Source Sans Pro" panose="020B0503030403020204" pitchFamily="34" charset="0"/>
+                <a:ea typeface="Source Sans Pro" panose="020B0503030403020204" pitchFamily="34" charset="0"/>
+              </a:rPr>
+              <a:t>We see on the “Model Interpretation section” that </a:t>
+            </a:r>
+            <a:r>
+              <a:rPr lang="en-GB" sz="1200" b="1" i="1" dirty="0">
+                <a:solidFill>
+                  <a:schemeClr val="bg1"/>
+                </a:solidFill>
+                <a:highlight>
+                  <a:srgbClr val="157DD9"/>
+                </a:highlight>
+                <a:latin typeface="Source Sans Pro" panose="020B0503030403020204" pitchFamily="34" charset="0"/>
+                <a:ea typeface="Source Sans Pro" panose="020B0503030403020204" pitchFamily="34" charset="0"/>
+              </a:rPr>
+              <a:t>Purchase Lead</a:t>
+            </a:r>
+            <a:r>
+              <a:rPr lang="en-GB" sz="1200" dirty="0">
+                <a:latin typeface="Source Sans Pro" panose="020B0503030403020204" pitchFamily="34" charset="0"/>
+                <a:ea typeface="Source Sans Pro" panose="020B0503030403020204" pitchFamily="34" charset="0"/>
+              </a:rPr>
+              <a:t> is at the 1st ranking of feature </a:t>
+            </a:r>
+            <a:r>
+              <a:rPr lang="en-GB" sz="1200" dirty="0" err="1">
+                <a:latin typeface="Source Sans Pro" panose="020B0503030403020204" pitchFamily="34" charset="0"/>
+                <a:ea typeface="Source Sans Pro" panose="020B0503030403020204" pitchFamily="34" charset="0"/>
+              </a:rPr>
+              <a:t>importances</a:t>
+            </a:r>
+            <a:r>
+              <a:rPr lang="en-GB" sz="1200" dirty="0">
+                <a:latin typeface="Source Sans Pro" panose="020B0503030403020204" pitchFamily="34" charset="0"/>
+                <a:ea typeface="Source Sans Pro" panose="020B0503030403020204" pitchFamily="34" charset="0"/>
+              </a:rPr>
+              <a:t>. </a:t>
+            </a:r>
+            <a:r>
+              <a:rPr lang="en-GB" sz="1200" b="1" i="1" dirty="0">
+                <a:solidFill>
+                  <a:schemeClr val="bg1"/>
+                </a:solidFill>
+                <a:highlight>
+                  <a:srgbClr val="157DD9"/>
+                </a:highlight>
+                <a:latin typeface="Source Sans Pro" panose="020B0503030403020204" pitchFamily="34" charset="0"/>
+                <a:ea typeface="Source Sans Pro" panose="020B0503030403020204" pitchFamily="34" charset="0"/>
+              </a:rPr>
+              <a:t>We should consider to more deeply </a:t>
+            </a:r>
+            <a:r>
+              <a:rPr lang="en-GB" sz="1200" b="1" i="1" dirty="0" err="1">
+                <a:solidFill>
+                  <a:schemeClr val="bg1"/>
+                </a:solidFill>
+                <a:highlight>
+                  <a:srgbClr val="157DD9"/>
+                </a:highlight>
+                <a:latin typeface="Source Sans Pro" panose="020B0503030403020204" pitchFamily="34" charset="0"/>
+                <a:ea typeface="Source Sans Pro" panose="020B0503030403020204" pitchFamily="34" charset="0"/>
+              </a:rPr>
+              <a:t>analyze</a:t>
+            </a:r>
+            <a:r>
+              <a:rPr lang="en-GB" sz="1200" b="1" i="1" dirty="0">
+                <a:solidFill>
+                  <a:schemeClr val="bg1"/>
+                </a:solidFill>
+                <a:highlight>
+                  <a:srgbClr val="157DD9"/>
+                </a:highlight>
+                <a:latin typeface="Source Sans Pro" panose="020B0503030403020204" pitchFamily="34" charset="0"/>
+                <a:ea typeface="Source Sans Pro" panose="020B0503030403020204" pitchFamily="34" charset="0"/>
+              </a:rPr>
+              <a:t> this feature</a:t>
+            </a:r>
+            <a:r>
+              <a:rPr lang="en-GB" sz="1200" dirty="0">
+                <a:latin typeface="Source Sans Pro" panose="020B0503030403020204" pitchFamily="34" charset="0"/>
+                <a:ea typeface="Source Sans Pro" panose="020B0503030403020204" pitchFamily="34" charset="0"/>
+              </a:rPr>
+              <a:t> for further improvement of this project. Perhaps we could gain more insights by doing this.</a:t>
             </a:r>
           </a:p>
         </p:txBody>
